--- a/images/image.pptx
+++ b/images/image.pptx
@@ -7,6 +7,7 @@
   <p:sldIdLst>
     <p:sldId id="256" r:id="rId2"/>
     <p:sldId id="257" r:id="rId3"/>
+    <p:sldId id="258" r:id="rId4"/>
   </p:sldIdLst>
   <p:sldSz cx="12192000" cy="6858000"/>
   <p:notesSz cx="6858000" cy="9144000"/>
@@ -105,6 +106,11 @@
       </a:defRPr>
     </a:lvl9pPr>
   </p:defaultTextStyle>
+  <p:extLst>
+    <p:ext uri="{EFAFB233-063F-42B5-8137-9DF3F51BA10A}">
+      <p15:sldGuideLst xmlns:p15="http://schemas.microsoft.com/office/powerpoint/2012/main"/>
+    </p:ext>
+  </p:extLst>
 </p:presentation>
 </file>
 
@@ -255,7 +261,7 @@
           <a:p>
             <a:fld id="{B0276381-0A55-4712-99F0-BD6EF01E5826}" type="datetimeFigureOut">
               <a:rPr lang="zh-CN" altLang="en-US" smtClean="0"/>
-              <a:t>2025/3/11</a:t>
+              <a:t>2025/3/16</a:t>
             </a:fld>
             <a:endParaRPr lang="zh-CN" altLang="en-US"/>
           </a:p>
@@ -453,7 +459,7 @@
           <a:p>
             <a:fld id="{B0276381-0A55-4712-99F0-BD6EF01E5826}" type="datetimeFigureOut">
               <a:rPr lang="zh-CN" altLang="en-US" smtClean="0"/>
-              <a:t>2025/3/11</a:t>
+              <a:t>2025/3/16</a:t>
             </a:fld>
             <a:endParaRPr lang="zh-CN" altLang="en-US"/>
           </a:p>
@@ -661,7 +667,7 @@
           <a:p>
             <a:fld id="{B0276381-0A55-4712-99F0-BD6EF01E5826}" type="datetimeFigureOut">
               <a:rPr lang="zh-CN" altLang="en-US" smtClean="0"/>
-              <a:t>2025/3/11</a:t>
+              <a:t>2025/3/16</a:t>
             </a:fld>
             <a:endParaRPr lang="zh-CN" altLang="en-US"/>
           </a:p>
@@ -859,7 +865,7 @@
           <a:p>
             <a:fld id="{B0276381-0A55-4712-99F0-BD6EF01E5826}" type="datetimeFigureOut">
               <a:rPr lang="zh-CN" altLang="en-US" smtClean="0"/>
-              <a:t>2025/3/11</a:t>
+              <a:t>2025/3/16</a:t>
             </a:fld>
             <a:endParaRPr lang="zh-CN" altLang="en-US"/>
           </a:p>
@@ -1134,7 +1140,7 @@
           <a:p>
             <a:fld id="{B0276381-0A55-4712-99F0-BD6EF01E5826}" type="datetimeFigureOut">
               <a:rPr lang="zh-CN" altLang="en-US" smtClean="0"/>
-              <a:t>2025/3/11</a:t>
+              <a:t>2025/3/16</a:t>
             </a:fld>
             <a:endParaRPr lang="zh-CN" altLang="en-US"/>
           </a:p>
@@ -1399,7 +1405,7 @@
           <a:p>
             <a:fld id="{B0276381-0A55-4712-99F0-BD6EF01E5826}" type="datetimeFigureOut">
               <a:rPr lang="zh-CN" altLang="en-US" smtClean="0"/>
-              <a:t>2025/3/11</a:t>
+              <a:t>2025/3/16</a:t>
             </a:fld>
             <a:endParaRPr lang="zh-CN" altLang="en-US"/>
           </a:p>
@@ -1811,7 +1817,7 @@
           <a:p>
             <a:fld id="{B0276381-0A55-4712-99F0-BD6EF01E5826}" type="datetimeFigureOut">
               <a:rPr lang="zh-CN" altLang="en-US" smtClean="0"/>
-              <a:t>2025/3/11</a:t>
+              <a:t>2025/3/16</a:t>
             </a:fld>
             <a:endParaRPr lang="zh-CN" altLang="en-US"/>
           </a:p>
@@ -1952,7 +1958,7 @@
           <a:p>
             <a:fld id="{B0276381-0A55-4712-99F0-BD6EF01E5826}" type="datetimeFigureOut">
               <a:rPr lang="zh-CN" altLang="en-US" smtClean="0"/>
-              <a:t>2025/3/11</a:t>
+              <a:t>2025/3/16</a:t>
             </a:fld>
             <a:endParaRPr lang="zh-CN" altLang="en-US"/>
           </a:p>
@@ -2065,7 +2071,7 @@
           <a:p>
             <a:fld id="{B0276381-0A55-4712-99F0-BD6EF01E5826}" type="datetimeFigureOut">
               <a:rPr lang="zh-CN" altLang="en-US" smtClean="0"/>
-              <a:t>2025/3/11</a:t>
+              <a:t>2025/3/16</a:t>
             </a:fld>
             <a:endParaRPr lang="zh-CN" altLang="en-US"/>
           </a:p>
@@ -2376,7 +2382,7 @@
           <a:p>
             <a:fld id="{B0276381-0A55-4712-99F0-BD6EF01E5826}" type="datetimeFigureOut">
               <a:rPr lang="zh-CN" altLang="en-US" smtClean="0"/>
-              <a:t>2025/3/11</a:t>
+              <a:t>2025/3/16</a:t>
             </a:fld>
             <a:endParaRPr lang="zh-CN" altLang="en-US"/>
           </a:p>
@@ -2664,7 +2670,7 @@
           <a:p>
             <a:fld id="{B0276381-0A55-4712-99F0-BD6EF01E5826}" type="datetimeFigureOut">
               <a:rPr lang="zh-CN" altLang="en-US" smtClean="0"/>
-              <a:t>2025/3/11</a:t>
+              <a:t>2025/3/16</a:t>
             </a:fld>
             <a:endParaRPr lang="zh-CN" altLang="en-US"/>
           </a:p>
@@ -2905,7 +2911,7 @@
           <a:p>
             <a:fld id="{B0276381-0A55-4712-99F0-BD6EF01E5826}" type="datetimeFigureOut">
               <a:rPr lang="zh-CN" altLang="en-US" smtClean="0"/>
-              <a:t>2025/3/11</a:t>
+              <a:t>2025/3/16</a:t>
             </a:fld>
             <a:endParaRPr lang="zh-CN" altLang="en-US"/>
           </a:p>
@@ -3703,6 +3709,295 @@
 </p:sld>
 </file>
 
+<file path=ppt/slides/slide3.xml><?xml version="1.0" encoding="utf-8"?>
+<p:sld xmlns:a="http://schemas.openxmlformats.org/drawingml/2006/main" xmlns:r="http://schemas.openxmlformats.org/officeDocument/2006/relationships" xmlns:p="http://schemas.openxmlformats.org/presentationml/2006/main">
+  <p:cSld>
+    <p:bg>
+      <p:bgPr>
+        <a:solidFill>
+          <a:schemeClr val="bg1"/>
+        </a:solidFill>
+        <a:effectLst/>
+      </p:bgPr>
+    </p:bg>
+    <p:spTree>
+      <p:nvGrpSpPr>
+        <p:cNvPr id="1" name="">
+          <a:extLst>
+            <a:ext uri="{FF2B5EF4-FFF2-40B4-BE49-F238E27FC236}">
+              <a16:creationId xmlns:a16="http://schemas.microsoft.com/office/drawing/2014/main" id="{2A0256AF-8411-6370-E279-C510EDF3A0E3}"/>
+            </a:ext>
+          </a:extLst>
+        </p:cNvPr>
+        <p:cNvGrpSpPr/>
+        <p:nvPr/>
+      </p:nvGrpSpPr>
+      <p:grpSpPr>
+        <a:xfrm>
+          <a:off x="0" y="0"/>
+          <a:ext cx="0" cy="0"/>
+          <a:chOff x="0" y="0"/>
+          <a:chExt cx="0" cy="0"/>
+        </a:xfrm>
+      </p:grpSpPr>
+      <p:sp>
+        <p:nvSpPr>
+          <p:cNvPr id="6" name="矩形 5">
+            <a:extLst>
+              <a:ext uri="{FF2B5EF4-FFF2-40B4-BE49-F238E27FC236}">
+                <a16:creationId xmlns:a16="http://schemas.microsoft.com/office/drawing/2014/main" id="{F155FFE2-07F9-0C47-5A27-94F2CC22DAF7}"/>
+              </a:ext>
+            </a:extLst>
+          </p:cNvPr>
+          <p:cNvSpPr/>
+          <p:nvPr/>
+        </p:nvSpPr>
+        <p:spPr>
+          <a:xfrm>
+            <a:off x="1828799" y="973605"/>
+            <a:ext cx="2620800" cy="1746000"/>
+          </a:xfrm>
+          <a:prstGeom prst="rect">
+            <a:avLst/>
+          </a:prstGeom>
+          <a:solidFill>
+            <a:schemeClr val="bg1"/>
+          </a:solidFill>
+          <a:ln w="6350">
+            <a:solidFill>
+              <a:srgbClr val="3897A9"/>
+            </a:solidFill>
+          </a:ln>
+          <a:effectLst/>
+        </p:spPr>
+        <p:style>
+          <a:lnRef idx="2">
+            <a:schemeClr val="accent1">
+              <a:shade val="15000"/>
+            </a:schemeClr>
+          </a:lnRef>
+          <a:fillRef idx="1">
+            <a:schemeClr val="accent1"/>
+          </a:fillRef>
+          <a:effectRef idx="0">
+            <a:schemeClr val="accent1"/>
+          </a:effectRef>
+          <a:fontRef idx="minor">
+            <a:schemeClr val="lt1"/>
+          </a:fontRef>
+        </p:style>
+        <p:txBody>
+          <a:bodyPr rtlCol="0" anchor="ctr"/>
+          <a:lstStyle/>
+          <a:p>
+            <a:pPr algn="ctr"/>
+            <a:endParaRPr lang="zh-CN" altLang="en-US"/>
+          </a:p>
+        </p:txBody>
+      </p:sp>
+      <p:pic>
+        <p:nvPicPr>
+          <p:cNvPr id="3" name="图片 2">
+            <a:extLst>
+              <a:ext uri="{FF2B5EF4-FFF2-40B4-BE49-F238E27FC236}">
+                <a16:creationId xmlns:a16="http://schemas.microsoft.com/office/drawing/2014/main" id="{BC123036-B1F1-AE08-3101-651BDEE6B630}"/>
+              </a:ext>
+            </a:extLst>
+          </p:cNvPr>
+          <p:cNvPicPr>
+            <a:picLocks noChangeAspect="1"/>
+          </p:cNvPicPr>
+          <p:nvPr/>
+        </p:nvPicPr>
+        <p:blipFill>
+          <a:blip r:embed="rId2">
+            <a:extLst>
+              <a:ext uri="{28A0092B-C50C-407E-A947-70E740481C1C}">
+                <a14:useLocalDpi xmlns:a14="http://schemas.microsoft.com/office/drawing/2010/main" val="0"/>
+              </a:ext>
+            </a:extLst>
+          </a:blip>
+          <a:stretch>
+            <a:fillRect/>
+          </a:stretch>
+        </p:blipFill>
+        <p:spPr>
+          <a:xfrm>
+            <a:off x="7855652" y="1389139"/>
+            <a:ext cx="838687" cy="914931"/>
+          </a:xfrm>
+          <a:prstGeom prst="rect">
+            <a:avLst/>
+          </a:prstGeom>
+          <a:solidFill>
+            <a:schemeClr val="bg1"/>
+          </a:solidFill>
+        </p:spPr>
+      </p:pic>
+      <p:pic>
+        <p:nvPicPr>
+          <p:cNvPr id="10" name="图片 9">
+            <a:extLst>
+              <a:ext uri="{FF2B5EF4-FFF2-40B4-BE49-F238E27FC236}">
+                <a16:creationId xmlns:a16="http://schemas.microsoft.com/office/drawing/2014/main" id="{FF65A93F-3994-0D16-DE55-F77E3130A5E2}"/>
+              </a:ext>
+            </a:extLst>
+          </p:cNvPr>
+          <p:cNvPicPr>
+            <a:picLocks noChangeAspect="1"/>
+          </p:cNvPicPr>
+          <p:nvPr/>
+        </p:nvPicPr>
+        <p:blipFill>
+          <a:blip r:embed="rId3"/>
+          <a:stretch>
+            <a:fillRect/>
+          </a:stretch>
+        </p:blipFill>
+        <p:spPr>
+          <a:xfrm>
+            <a:off x="1872858" y="1754979"/>
+            <a:ext cx="2527918" cy="905291"/>
+          </a:xfrm>
+          <a:prstGeom prst="rect">
+            <a:avLst/>
+          </a:prstGeom>
+          <a:solidFill>
+            <a:schemeClr val="bg1"/>
+          </a:solidFill>
+          <a:effectLst/>
+        </p:spPr>
+      </p:pic>
+      <p:pic>
+        <p:nvPicPr>
+          <p:cNvPr id="14" name="图片 13">
+            <a:extLst>
+              <a:ext uri="{FF2B5EF4-FFF2-40B4-BE49-F238E27FC236}">
+                <a16:creationId xmlns:a16="http://schemas.microsoft.com/office/drawing/2014/main" id="{CD1BD664-165F-1EDF-8310-CC88648F9897}"/>
+              </a:ext>
+            </a:extLst>
+          </p:cNvPr>
+          <p:cNvPicPr>
+            <a:picLocks noChangeAspect="1"/>
+          </p:cNvPicPr>
+          <p:nvPr/>
+        </p:nvPicPr>
+        <p:blipFill>
+          <a:blip r:embed="rId4"/>
+          <a:stretch>
+            <a:fillRect/>
+          </a:stretch>
+        </p:blipFill>
+        <p:spPr>
+          <a:xfrm>
+            <a:off x="1872858" y="998536"/>
+            <a:ext cx="2527919" cy="557054"/>
+          </a:xfrm>
+          <a:prstGeom prst="rect">
+            <a:avLst/>
+          </a:prstGeom>
+          <a:solidFill>
+            <a:schemeClr val="bg1"/>
+          </a:solidFill>
+          <a:effectLst/>
+        </p:spPr>
+      </p:pic>
+      <p:sp>
+        <p:nvSpPr>
+          <p:cNvPr id="15" name="矩形 14">
+            <a:extLst>
+              <a:ext uri="{FF2B5EF4-FFF2-40B4-BE49-F238E27FC236}">
+                <a16:creationId xmlns:a16="http://schemas.microsoft.com/office/drawing/2014/main" id="{51F2CC82-D795-B85A-BB71-5C20ECCC4D01}"/>
+              </a:ext>
+            </a:extLst>
+          </p:cNvPr>
+          <p:cNvSpPr/>
+          <p:nvPr/>
+        </p:nvSpPr>
+        <p:spPr>
+          <a:xfrm>
+            <a:off x="4245769" y="2207419"/>
+            <a:ext cx="83344" cy="134307"/>
+          </a:xfrm>
+          <a:prstGeom prst="rect">
+            <a:avLst/>
+          </a:prstGeom>
+          <a:solidFill>
+            <a:srgbClr val="FEF6F4"/>
+          </a:solidFill>
+          <a:ln>
+            <a:noFill/>
+          </a:ln>
+          <a:effectLst/>
+        </p:spPr>
+        <p:style>
+          <a:lnRef idx="2">
+            <a:schemeClr val="accent1">
+              <a:shade val="15000"/>
+            </a:schemeClr>
+          </a:lnRef>
+          <a:fillRef idx="1">
+            <a:schemeClr val="accent1"/>
+          </a:fillRef>
+          <a:effectRef idx="0">
+            <a:schemeClr val="accent1"/>
+          </a:effectRef>
+          <a:fontRef idx="minor">
+            <a:schemeClr val="lt1"/>
+          </a:fontRef>
+        </p:style>
+        <p:txBody>
+          <a:bodyPr rtlCol="0" anchor="ctr"/>
+          <a:lstStyle/>
+          <a:p>
+            <a:pPr algn="ctr"/>
+            <a:endParaRPr lang="zh-CN" altLang="en-US"/>
+          </a:p>
+        </p:txBody>
+      </p:sp>
+      <p:pic>
+        <p:nvPicPr>
+          <p:cNvPr id="17" name="图片 16">
+            <a:extLst>
+              <a:ext uri="{FF2B5EF4-FFF2-40B4-BE49-F238E27FC236}">
+                <a16:creationId xmlns:a16="http://schemas.microsoft.com/office/drawing/2014/main" id="{CEB6AC04-DCBB-E355-BF24-29826C9DD00E}"/>
+              </a:ext>
+            </a:extLst>
+          </p:cNvPr>
+          <p:cNvPicPr>
+            <a:picLocks noChangeAspect="1"/>
+          </p:cNvPicPr>
+          <p:nvPr/>
+        </p:nvPicPr>
+        <p:blipFill>
+          <a:blip r:embed="rId5"/>
+          <a:stretch>
+            <a:fillRect/>
+          </a:stretch>
+        </p:blipFill>
+        <p:spPr>
+          <a:xfrm>
+            <a:off x="5223315" y="2407596"/>
+            <a:ext cx="4634370" cy="2042808"/>
+          </a:xfrm>
+          <a:prstGeom prst="rect">
+            <a:avLst/>
+          </a:prstGeom>
+        </p:spPr>
+      </p:pic>
+    </p:spTree>
+    <p:extLst>
+      <p:ext uri="{BB962C8B-B14F-4D97-AF65-F5344CB8AC3E}">
+        <p14:creationId xmlns:p14="http://schemas.microsoft.com/office/powerpoint/2010/main" val="1973112667"/>
+      </p:ext>
+    </p:extLst>
+  </p:cSld>
+  <p:clrMapOvr>
+    <a:masterClrMapping/>
+  </p:clrMapOvr>
+</p:sld>
+</file>
+
 <file path=ppt/theme/theme1.xml><?xml version="1.0" encoding="utf-8"?>
 <a:theme xmlns:a="http://schemas.openxmlformats.org/drawingml/2006/main" name="Office 主题​​">
   <a:themeElements>
